--- a/08-Client-Side-One-Time-Password/01-Transitioning-To-React-Native.pptx
+++ b/08-Client-Side-One-Time-Password/01-Transitioning-To-React-Native.pptx
@@ -5,14 +5,17 @@
     <p:sldMasterId id="2147483660" r:id="rId1"/>
   </p:sldMasterIdLst>
   <p:notesMasterIdLst>
-    <p:notesMasterId r:id="rId4"/>
+    <p:notesMasterId r:id="rId7"/>
   </p:notesMasterIdLst>
   <p:handoutMasterIdLst>
-    <p:handoutMasterId r:id="rId5"/>
+    <p:handoutMasterId r:id="rId8"/>
   </p:handoutMasterIdLst>
   <p:sldIdLst>
     <p:sldId id="299" r:id="rId2"/>
-    <p:sldId id="300" r:id="rId3"/>
+    <p:sldId id="301" r:id="rId3"/>
+    <p:sldId id="300" r:id="rId4"/>
+    <p:sldId id="302" r:id="rId5"/>
+    <p:sldId id="303" r:id="rId6"/>
   </p:sldIdLst>
   <p:sldSz cx="9144000" cy="6858000" type="screen4x3"/>
   <p:notesSz cx="6858000" cy="9144000"/>
@@ -219,7 +222,7 @@
           <a:p>
             <a:fld id="{A46CB205-DB7A-4E82-ACCC-8D6B1E676091}" type="datetimeFigureOut">
               <a:rPr lang="en-US" smtClean="0"/>
-              <a:t>11/13/2017</a:t>
+              <a:t>11/14/2017</a:t>
             </a:fld>
             <a:endParaRPr lang="en-US"/>
           </a:p>
@@ -384,7 +387,7 @@
           <a:p>
             <a:fld id="{B2C0E428-1BEE-4A93-9F4D-553B85161DE7}" type="datetimeFigureOut">
               <a:rPr lang="en-US" smtClean="0"/>
-              <a:t>11/13/2017</a:t>
+              <a:t>11/14/2017</a:t>
             </a:fld>
             <a:endParaRPr lang="en-US"/>
           </a:p>
@@ -906,7 +909,7 @@
           <a:p>
             <a:fld id="{64AC52D6-6171-4E55-BA4D-986D1942EAAE}" type="datetimeFigureOut">
               <a:rPr lang="id-ID" smtClean="0"/>
-              <a:t>13/11/2017</a:t>
+              <a:t>14/11/2017</a:t>
             </a:fld>
             <a:endParaRPr lang="id-ID"/>
           </a:p>
@@ -1230,7 +1233,7 @@
           <a:p>
             <a:fld id="{64AC52D6-6171-4E55-BA4D-986D1942EAAE}" type="datetimeFigureOut">
               <a:rPr lang="id-ID" smtClean="0"/>
-              <a:t>13/11/2017</a:t>
+              <a:t>14/11/2017</a:t>
             </a:fld>
             <a:endParaRPr lang="id-ID"/>
           </a:p>
@@ -1430,7 +1433,7 @@
           <a:p>
             <a:fld id="{64AC52D6-6171-4E55-BA4D-986D1942EAAE}" type="datetimeFigureOut">
               <a:rPr lang="id-ID" smtClean="0"/>
-              <a:t>13/11/2017</a:t>
+              <a:t>14/11/2017</a:t>
             </a:fld>
             <a:endParaRPr lang="id-ID"/>
           </a:p>
@@ -1640,7 +1643,7 @@
           <a:p>
             <a:fld id="{64AC52D6-6171-4E55-BA4D-986D1942EAAE}" type="datetimeFigureOut">
               <a:rPr lang="id-ID" smtClean="0"/>
-              <a:t>13/11/2017</a:t>
+              <a:t>14/11/2017</a:t>
             </a:fld>
             <a:endParaRPr lang="id-ID"/>
           </a:p>
@@ -1885,7 +1888,7 @@
           <a:p>
             <a:fld id="{64AC52D6-6171-4E55-BA4D-986D1942EAAE}" type="datetimeFigureOut">
               <a:rPr lang="id-ID" smtClean="0"/>
-              <a:t>13/11/2017</a:t>
+              <a:t>14/11/2017</a:t>
             </a:fld>
             <a:endParaRPr lang="id-ID"/>
           </a:p>
@@ -2056,7 +2059,7 @@
           <a:p>
             <a:fld id="{64AC52D6-6171-4E55-BA4D-986D1942EAAE}" type="datetimeFigureOut">
               <a:rPr lang="id-ID" smtClean="0"/>
-              <a:t>13/11/2017</a:t>
+              <a:t>14/11/2017</a:t>
             </a:fld>
             <a:endParaRPr lang="id-ID"/>
           </a:p>
@@ -2487,7 +2490,7 @@
           <a:p>
             <a:fld id="{64AC52D6-6171-4E55-BA4D-986D1942EAAE}" type="datetimeFigureOut">
               <a:rPr lang="id-ID" smtClean="0"/>
-              <a:t>13/11/2017</a:t>
+              <a:t>14/11/2017</a:t>
             </a:fld>
             <a:endParaRPr lang="id-ID"/>
           </a:p>
@@ -2821,7 +2824,7 @@
           <a:p>
             <a:fld id="{64AC52D6-6171-4E55-BA4D-986D1942EAAE}" type="datetimeFigureOut">
               <a:rPr lang="id-ID" smtClean="0"/>
-              <a:t>13/11/2017</a:t>
+              <a:t>14/11/2017</a:t>
             </a:fld>
             <a:endParaRPr lang="id-ID"/>
           </a:p>
@@ -3298,7 +3301,7 @@
           <a:p>
             <a:fld id="{64AC52D6-6171-4E55-BA4D-986D1942EAAE}" type="datetimeFigureOut">
               <a:rPr lang="id-ID" smtClean="0"/>
-              <a:t>13/11/2017</a:t>
+              <a:t>14/11/2017</a:t>
             </a:fld>
             <a:endParaRPr lang="id-ID"/>
           </a:p>
@@ -3446,7 +3449,7 @@
           <a:p>
             <a:fld id="{64AC52D6-6171-4E55-BA4D-986D1942EAAE}" type="datetimeFigureOut">
               <a:rPr lang="id-ID" smtClean="0"/>
-              <a:t>13/11/2017</a:t>
+              <a:t>14/11/2017</a:t>
             </a:fld>
             <a:endParaRPr lang="id-ID"/>
           </a:p>
@@ -3571,7 +3574,7 @@
           <a:p>
             <a:fld id="{64AC52D6-6171-4E55-BA4D-986D1942EAAE}" type="datetimeFigureOut">
               <a:rPr lang="id-ID" smtClean="0"/>
-              <a:t>13/11/2017</a:t>
+              <a:t>14/11/2017</a:t>
             </a:fld>
             <a:endParaRPr lang="id-ID"/>
           </a:p>
@@ -3878,7 +3881,7 @@
           <a:p>
             <a:fld id="{64AC52D6-6171-4E55-BA4D-986D1942EAAE}" type="datetimeFigureOut">
               <a:rPr lang="id-ID" smtClean="0"/>
-              <a:t>13/11/2017</a:t>
+              <a:t>14/11/2017</a:t>
             </a:fld>
             <a:endParaRPr lang="id-ID"/>
           </a:p>
@@ -4089,7 +4092,7 @@
           <a:p>
             <a:fld id="{64AC52D6-6171-4E55-BA4D-986D1942EAAE}" type="datetimeFigureOut">
               <a:rPr lang="id-ID" smtClean="0"/>
-              <a:t>13/11/2017</a:t>
+              <a:t>14/11/2017</a:t>
             </a:fld>
             <a:endParaRPr lang="id-ID"/>
           </a:p>
@@ -4694,6 +4697,323 @@
           <p:cNvPr id="2" name="Title 1">
             <a:extLst>
               <a:ext uri="{FF2B5EF4-FFF2-40B4-BE49-F238E27FC236}">
+                <a16:creationId xmlns:a16="http://schemas.microsoft.com/office/drawing/2014/main" id="{D7D79035-A70F-4F24-805C-C39BAE89DD51}"/>
+              </a:ext>
+            </a:extLst>
+          </p:cNvPr>
+          <p:cNvSpPr>
+            <a:spLocks noGrp="1"/>
+          </p:cNvSpPr>
+          <p:nvPr>
+            <p:ph type="title"/>
+          </p:nvPr>
+        </p:nvSpPr>
+        <p:spPr/>
+        <p:txBody>
+          <a:bodyPr/>
+          <a:lstStyle/>
+          <a:p>
+            <a:r>
+              <a:rPr lang="en-US" dirty="0"/>
+              <a:t>Introduction</a:t>
+            </a:r>
+          </a:p>
+        </p:txBody>
+      </p:sp>
+      <p:sp>
+        <p:nvSpPr>
+          <p:cNvPr id="3" name="Content Placeholder 2">
+            <a:extLst>
+              <a:ext uri="{FF2B5EF4-FFF2-40B4-BE49-F238E27FC236}">
+                <a16:creationId xmlns:a16="http://schemas.microsoft.com/office/drawing/2014/main" id="{D3C33CDA-03AF-4127-B639-C167541E6196}"/>
+              </a:ext>
+            </a:extLst>
+          </p:cNvPr>
+          <p:cNvSpPr>
+            <a:spLocks noGrp="1"/>
+          </p:cNvSpPr>
+          <p:nvPr>
+            <p:ph idx="1"/>
+          </p:nvPr>
+        </p:nvSpPr>
+        <p:spPr/>
+        <p:txBody>
+          <a:bodyPr/>
+          <a:lstStyle/>
+          <a:p>
+            <a:r>
+              <a:rPr lang="en-US" dirty="0"/>
+              <a:t>In the previous section, we’ve successfully made a full-working Google Cloud Function to handle the verification</a:t>
+            </a:r>
+          </a:p>
+          <a:p>
+            <a:r>
+              <a:rPr lang="en-US" dirty="0"/>
+              <a:t>We’ve successfully tested it on Postman</a:t>
+            </a:r>
+          </a:p>
+          <a:p>
+            <a:r>
+              <a:rPr lang="en-US" dirty="0"/>
+              <a:t>Now in this section, we will handle the React Native side </a:t>
+            </a:r>
+          </a:p>
+        </p:txBody>
+      </p:sp>
+    </p:spTree>
+    <p:extLst>
+      <p:ext uri="{BB962C8B-B14F-4D97-AF65-F5344CB8AC3E}">
+        <p14:creationId xmlns:p14="http://schemas.microsoft.com/office/powerpoint/2010/main" val="3938506282"/>
+      </p:ext>
+    </p:extLst>
+  </p:cSld>
+  <p:clrMapOvr>
+    <a:masterClrMapping/>
+  </p:clrMapOvr>
+  <p:transition spd="slow">
+    <p:push dir="u"/>
+  </p:transition>
+  <p:timing>
+    <p:tnLst>
+      <p:par>
+        <p:cTn id="1" dur="indefinite" restart="never" nodeType="tmRoot">
+          <p:childTnLst>
+            <p:seq concurrent="1" nextAc="seek">
+              <p:cTn id="2" dur="indefinite" nodeType="mainSeq">
+                <p:childTnLst>
+                  <p:par>
+                    <p:cTn id="3" fill="hold">
+                      <p:stCondLst>
+                        <p:cond delay="indefinite"/>
+                      </p:stCondLst>
+                      <p:childTnLst>
+                        <p:par>
+                          <p:cTn id="4" fill="hold">
+                            <p:stCondLst>
+                              <p:cond delay="0"/>
+                            </p:stCondLst>
+                            <p:childTnLst>
+                              <p:par>
+                                <p:cTn id="5" presetID="10" presetClass="entr" presetSubtype="0" fill="hold" grpId="0" nodeType="clickEffect">
+                                  <p:stCondLst>
+                                    <p:cond delay="0"/>
+                                  </p:stCondLst>
+                                  <p:childTnLst>
+                                    <p:set>
+                                      <p:cBhvr>
+                                        <p:cTn id="6" dur="1" fill="hold">
+                                          <p:stCondLst>
+                                            <p:cond delay="0"/>
+                                          </p:stCondLst>
+                                        </p:cTn>
+                                        <p:tgtEl>
+                                          <p:spTgt spid="3">
+                                            <p:txEl>
+                                              <p:pRg st="0" end="0"/>
+                                            </p:txEl>
+                                          </p:spTgt>
+                                        </p:tgtEl>
+                                        <p:attrNameLst>
+                                          <p:attrName>style.visibility</p:attrName>
+                                        </p:attrNameLst>
+                                      </p:cBhvr>
+                                      <p:to>
+                                        <p:strVal val="visible"/>
+                                      </p:to>
+                                    </p:set>
+                                    <p:animEffect transition="in" filter="fade">
+                                      <p:cBhvr>
+                                        <p:cTn id="7" dur="500"/>
+                                        <p:tgtEl>
+                                          <p:spTgt spid="3">
+                                            <p:txEl>
+                                              <p:pRg st="0" end="0"/>
+                                            </p:txEl>
+                                          </p:spTgt>
+                                        </p:tgtEl>
+                                      </p:cBhvr>
+                                    </p:animEffect>
+                                  </p:childTnLst>
+                                </p:cTn>
+                              </p:par>
+                            </p:childTnLst>
+                          </p:cTn>
+                        </p:par>
+                      </p:childTnLst>
+                    </p:cTn>
+                  </p:par>
+                  <p:par>
+                    <p:cTn id="8" fill="hold">
+                      <p:stCondLst>
+                        <p:cond delay="indefinite"/>
+                      </p:stCondLst>
+                      <p:childTnLst>
+                        <p:par>
+                          <p:cTn id="9" fill="hold">
+                            <p:stCondLst>
+                              <p:cond delay="0"/>
+                            </p:stCondLst>
+                            <p:childTnLst>
+                              <p:par>
+                                <p:cTn id="10" presetID="10" presetClass="entr" presetSubtype="0" fill="hold" grpId="0" nodeType="clickEffect">
+                                  <p:stCondLst>
+                                    <p:cond delay="0"/>
+                                  </p:stCondLst>
+                                  <p:childTnLst>
+                                    <p:set>
+                                      <p:cBhvr>
+                                        <p:cTn id="11" dur="1" fill="hold">
+                                          <p:stCondLst>
+                                            <p:cond delay="0"/>
+                                          </p:stCondLst>
+                                        </p:cTn>
+                                        <p:tgtEl>
+                                          <p:spTgt spid="3">
+                                            <p:txEl>
+                                              <p:pRg st="1" end="1"/>
+                                            </p:txEl>
+                                          </p:spTgt>
+                                        </p:tgtEl>
+                                        <p:attrNameLst>
+                                          <p:attrName>style.visibility</p:attrName>
+                                        </p:attrNameLst>
+                                      </p:cBhvr>
+                                      <p:to>
+                                        <p:strVal val="visible"/>
+                                      </p:to>
+                                    </p:set>
+                                    <p:animEffect transition="in" filter="fade">
+                                      <p:cBhvr>
+                                        <p:cTn id="12" dur="500"/>
+                                        <p:tgtEl>
+                                          <p:spTgt spid="3">
+                                            <p:txEl>
+                                              <p:pRg st="1" end="1"/>
+                                            </p:txEl>
+                                          </p:spTgt>
+                                        </p:tgtEl>
+                                      </p:cBhvr>
+                                    </p:animEffect>
+                                  </p:childTnLst>
+                                </p:cTn>
+                              </p:par>
+                            </p:childTnLst>
+                          </p:cTn>
+                        </p:par>
+                      </p:childTnLst>
+                    </p:cTn>
+                  </p:par>
+                  <p:par>
+                    <p:cTn id="13" fill="hold">
+                      <p:stCondLst>
+                        <p:cond delay="indefinite"/>
+                      </p:stCondLst>
+                      <p:childTnLst>
+                        <p:par>
+                          <p:cTn id="14" fill="hold">
+                            <p:stCondLst>
+                              <p:cond delay="0"/>
+                            </p:stCondLst>
+                            <p:childTnLst>
+                              <p:par>
+                                <p:cTn id="15" presetID="10" presetClass="entr" presetSubtype="0" fill="hold" grpId="0" nodeType="clickEffect">
+                                  <p:stCondLst>
+                                    <p:cond delay="0"/>
+                                  </p:stCondLst>
+                                  <p:childTnLst>
+                                    <p:set>
+                                      <p:cBhvr>
+                                        <p:cTn id="16" dur="1" fill="hold">
+                                          <p:stCondLst>
+                                            <p:cond delay="0"/>
+                                          </p:stCondLst>
+                                        </p:cTn>
+                                        <p:tgtEl>
+                                          <p:spTgt spid="3">
+                                            <p:txEl>
+                                              <p:pRg st="2" end="2"/>
+                                            </p:txEl>
+                                          </p:spTgt>
+                                        </p:tgtEl>
+                                        <p:attrNameLst>
+                                          <p:attrName>style.visibility</p:attrName>
+                                        </p:attrNameLst>
+                                      </p:cBhvr>
+                                      <p:to>
+                                        <p:strVal val="visible"/>
+                                      </p:to>
+                                    </p:set>
+                                    <p:animEffect transition="in" filter="fade">
+                                      <p:cBhvr>
+                                        <p:cTn id="17" dur="500"/>
+                                        <p:tgtEl>
+                                          <p:spTgt spid="3">
+                                            <p:txEl>
+                                              <p:pRg st="2" end="2"/>
+                                            </p:txEl>
+                                          </p:spTgt>
+                                        </p:tgtEl>
+                                      </p:cBhvr>
+                                    </p:animEffect>
+                                  </p:childTnLst>
+                                </p:cTn>
+                              </p:par>
+                            </p:childTnLst>
+                          </p:cTn>
+                        </p:par>
+                      </p:childTnLst>
+                    </p:cTn>
+                  </p:par>
+                </p:childTnLst>
+              </p:cTn>
+              <p:prevCondLst>
+                <p:cond evt="onPrev" delay="0">
+                  <p:tgtEl>
+                    <p:sldTgt/>
+                  </p:tgtEl>
+                </p:cond>
+              </p:prevCondLst>
+              <p:nextCondLst>
+                <p:cond evt="onNext" delay="0">
+                  <p:tgtEl>
+                    <p:sldTgt/>
+                  </p:tgtEl>
+                </p:cond>
+              </p:nextCondLst>
+            </p:seq>
+          </p:childTnLst>
+        </p:cTn>
+      </p:par>
+    </p:tnLst>
+    <p:bldLst>
+      <p:bldP spid="3" grpId="0" build="p"/>
+    </p:bldLst>
+  </p:timing>
+</p:sld>
+</file>
+
+<file path=ppt/slides/slide3.xml><?xml version="1.0" encoding="utf-8"?>
+<p:sld xmlns:a="http://schemas.openxmlformats.org/drawingml/2006/main" xmlns:r="http://schemas.openxmlformats.org/officeDocument/2006/relationships" xmlns:p="http://schemas.openxmlformats.org/presentationml/2006/main">
+  <p:cSld>
+    <p:spTree>
+      <p:nvGrpSpPr>
+        <p:cNvPr id="1" name=""/>
+        <p:cNvGrpSpPr/>
+        <p:nvPr/>
+      </p:nvGrpSpPr>
+      <p:grpSpPr>
+        <a:xfrm>
+          <a:off x="0" y="0"/>
+          <a:ext cx="0" cy="0"/>
+          <a:chOff x="0" y="0"/>
+          <a:chExt cx="0" cy="0"/>
+        </a:xfrm>
+      </p:grpSpPr>
+      <p:sp>
+        <p:nvSpPr>
+          <p:cNvPr id="2" name="Title 1">
+            <a:extLst>
+              <a:ext uri="{FF2B5EF4-FFF2-40B4-BE49-F238E27FC236}">
                 <a16:creationId xmlns:a16="http://schemas.microsoft.com/office/drawing/2014/main" id="{0A01A04F-8044-4C49-968C-37201AF3AD55}"/>
               </a:ext>
             </a:extLst>
@@ -4753,6 +5073,417 @@
     <p:extLst>
       <p:ext uri="{BB962C8B-B14F-4D97-AF65-F5344CB8AC3E}">
         <p14:creationId xmlns:p14="http://schemas.microsoft.com/office/powerpoint/2010/main" val="360896481"/>
+      </p:ext>
+    </p:extLst>
+  </p:cSld>
+  <p:clrMapOvr>
+    <a:masterClrMapping/>
+  </p:clrMapOvr>
+  <p:transition spd="slow">
+    <p:push dir="u"/>
+  </p:transition>
+</p:sld>
+</file>
+
+<file path=ppt/slides/slide4.xml><?xml version="1.0" encoding="utf-8"?>
+<p:sld xmlns:a="http://schemas.openxmlformats.org/drawingml/2006/main" xmlns:r="http://schemas.openxmlformats.org/officeDocument/2006/relationships" xmlns:p="http://schemas.openxmlformats.org/presentationml/2006/main">
+  <p:cSld>
+    <p:spTree>
+      <p:nvGrpSpPr>
+        <p:cNvPr id="1" name=""/>
+        <p:cNvGrpSpPr/>
+        <p:nvPr/>
+      </p:nvGrpSpPr>
+      <p:grpSpPr>
+        <a:xfrm>
+          <a:off x="0" y="0"/>
+          <a:ext cx="0" cy="0"/>
+          <a:chOff x="0" y="0"/>
+          <a:chExt cx="0" cy="0"/>
+        </a:xfrm>
+      </p:grpSpPr>
+      <p:sp>
+        <p:nvSpPr>
+          <p:cNvPr id="2" name="Title 1">
+            <a:extLst>
+              <a:ext uri="{FF2B5EF4-FFF2-40B4-BE49-F238E27FC236}">
+                <a16:creationId xmlns:a16="http://schemas.microsoft.com/office/drawing/2014/main" id="{8B9A8655-117B-4284-A360-22C1198518C8}"/>
+              </a:ext>
+            </a:extLst>
+          </p:cNvPr>
+          <p:cNvSpPr>
+            <a:spLocks noGrp="1"/>
+          </p:cNvSpPr>
+          <p:nvPr>
+            <p:ph type="title"/>
+          </p:nvPr>
+        </p:nvSpPr>
+        <p:spPr/>
+        <p:txBody>
+          <a:bodyPr/>
+          <a:lstStyle/>
+          <a:p>
+            <a:r>
+              <a:rPr lang="en-US" dirty="0"/>
+              <a:t>The App</a:t>
+            </a:r>
+          </a:p>
+        </p:txBody>
+      </p:sp>
+      <p:sp>
+        <p:nvSpPr>
+          <p:cNvPr id="3" name="Content Placeholder 2">
+            <a:extLst>
+              <a:ext uri="{FF2B5EF4-FFF2-40B4-BE49-F238E27FC236}">
+                <a16:creationId xmlns:a16="http://schemas.microsoft.com/office/drawing/2014/main" id="{C747553D-E959-4963-A3A6-CAD8A81C72D3}"/>
+              </a:ext>
+            </a:extLst>
+          </p:cNvPr>
+          <p:cNvSpPr>
+            <a:spLocks noGrp="1"/>
+          </p:cNvSpPr>
+          <p:nvPr>
+            <p:ph idx="1"/>
+          </p:nvPr>
+        </p:nvSpPr>
+        <p:spPr/>
+        <p:txBody>
+          <a:bodyPr/>
+          <a:lstStyle/>
+          <a:p>
+            <a:r>
+              <a:rPr lang="en-US" dirty="0"/>
+              <a:t>We’ll build just a single form</a:t>
+            </a:r>
+          </a:p>
+          <a:p>
+            <a:r>
+              <a:rPr lang="en-US" dirty="0"/>
+              <a:t>We won’t using Redux or anything like that, just a pure React Native</a:t>
+            </a:r>
+          </a:p>
+          <a:p>
+            <a:r>
+              <a:rPr lang="en-US" dirty="0"/>
+              <a:t>The goal of this section is just to show how to sign in to Firebase using JSON Web Token</a:t>
+            </a:r>
+          </a:p>
+        </p:txBody>
+      </p:sp>
+    </p:spTree>
+    <p:extLst>
+      <p:ext uri="{BB962C8B-B14F-4D97-AF65-F5344CB8AC3E}">
+        <p14:creationId xmlns:p14="http://schemas.microsoft.com/office/powerpoint/2010/main" val="2173120649"/>
+      </p:ext>
+    </p:extLst>
+  </p:cSld>
+  <p:clrMapOvr>
+    <a:masterClrMapping/>
+  </p:clrMapOvr>
+  <p:transition spd="slow">
+    <p:push dir="u"/>
+  </p:transition>
+  <p:timing>
+    <p:tnLst>
+      <p:par>
+        <p:cTn id="1" dur="indefinite" restart="never" nodeType="tmRoot">
+          <p:childTnLst>
+            <p:seq concurrent="1" nextAc="seek">
+              <p:cTn id="2" dur="indefinite" nodeType="mainSeq">
+                <p:childTnLst>
+                  <p:par>
+                    <p:cTn id="3" fill="hold">
+                      <p:stCondLst>
+                        <p:cond delay="indefinite"/>
+                      </p:stCondLst>
+                      <p:childTnLst>
+                        <p:par>
+                          <p:cTn id="4" fill="hold">
+                            <p:stCondLst>
+                              <p:cond delay="0"/>
+                            </p:stCondLst>
+                            <p:childTnLst>
+                              <p:par>
+                                <p:cTn id="5" presetID="10" presetClass="entr" presetSubtype="0" fill="hold" grpId="0" nodeType="clickEffect">
+                                  <p:stCondLst>
+                                    <p:cond delay="0"/>
+                                  </p:stCondLst>
+                                  <p:childTnLst>
+                                    <p:set>
+                                      <p:cBhvr>
+                                        <p:cTn id="6" dur="1" fill="hold">
+                                          <p:stCondLst>
+                                            <p:cond delay="0"/>
+                                          </p:stCondLst>
+                                        </p:cTn>
+                                        <p:tgtEl>
+                                          <p:spTgt spid="3">
+                                            <p:txEl>
+                                              <p:pRg st="0" end="0"/>
+                                            </p:txEl>
+                                          </p:spTgt>
+                                        </p:tgtEl>
+                                        <p:attrNameLst>
+                                          <p:attrName>style.visibility</p:attrName>
+                                        </p:attrNameLst>
+                                      </p:cBhvr>
+                                      <p:to>
+                                        <p:strVal val="visible"/>
+                                      </p:to>
+                                    </p:set>
+                                    <p:animEffect transition="in" filter="fade">
+                                      <p:cBhvr>
+                                        <p:cTn id="7" dur="500"/>
+                                        <p:tgtEl>
+                                          <p:spTgt spid="3">
+                                            <p:txEl>
+                                              <p:pRg st="0" end="0"/>
+                                            </p:txEl>
+                                          </p:spTgt>
+                                        </p:tgtEl>
+                                      </p:cBhvr>
+                                    </p:animEffect>
+                                  </p:childTnLst>
+                                </p:cTn>
+                              </p:par>
+                            </p:childTnLst>
+                          </p:cTn>
+                        </p:par>
+                      </p:childTnLst>
+                    </p:cTn>
+                  </p:par>
+                  <p:par>
+                    <p:cTn id="8" fill="hold">
+                      <p:stCondLst>
+                        <p:cond delay="indefinite"/>
+                      </p:stCondLst>
+                      <p:childTnLst>
+                        <p:par>
+                          <p:cTn id="9" fill="hold">
+                            <p:stCondLst>
+                              <p:cond delay="0"/>
+                            </p:stCondLst>
+                            <p:childTnLst>
+                              <p:par>
+                                <p:cTn id="10" presetID="10" presetClass="entr" presetSubtype="0" fill="hold" grpId="0" nodeType="clickEffect">
+                                  <p:stCondLst>
+                                    <p:cond delay="0"/>
+                                  </p:stCondLst>
+                                  <p:childTnLst>
+                                    <p:set>
+                                      <p:cBhvr>
+                                        <p:cTn id="11" dur="1" fill="hold">
+                                          <p:stCondLst>
+                                            <p:cond delay="0"/>
+                                          </p:stCondLst>
+                                        </p:cTn>
+                                        <p:tgtEl>
+                                          <p:spTgt spid="3">
+                                            <p:txEl>
+                                              <p:pRg st="1" end="1"/>
+                                            </p:txEl>
+                                          </p:spTgt>
+                                        </p:tgtEl>
+                                        <p:attrNameLst>
+                                          <p:attrName>style.visibility</p:attrName>
+                                        </p:attrNameLst>
+                                      </p:cBhvr>
+                                      <p:to>
+                                        <p:strVal val="visible"/>
+                                      </p:to>
+                                    </p:set>
+                                    <p:animEffect transition="in" filter="fade">
+                                      <p:cBhvr>
+                                        <p:cTn id="12" dur="500"/>
+                                        <p:tgtEl>
+                                          <p:spTgt spid="3">
+                                            <p:txEl>
+                                              <p:pRg st="1" end="1"/>
+                                            </p:txEl>
+                                          </p:spTgt>
+                                        </p:tgtEl>
+                                      </p:cBhvr>
+                                    </p:animEffect>
+                                  </p:childTnLst>
+                                </p:cTn>
+                              </p:par>
+                            </p:childTnLst>
+                          </p:cTn>
+                        </p:par>
+                      </p:childTnLst>
+                    </p:cTn>
+                  </p:par>
+                  <p:par>
+                    <p:cTn id="13" fill="hold">
+                      <p:stCondLst>
+                        <p:cond delay="indefinite"/>
+                      </p:stCondLst>
+                      <p:childTnLst>
+                        <p:par>
+                          <p:cTn id="14" fill="hold">
+                            <p:stCondLst>
+                              <p:cond delay="0"/>
+                            </p:stCondLst>
+                            <p:childTnLst>
+                              <p:par>
+                                <p:cTn id="15" presetID="10" presetClass="entr" presetSubtype="0" fill="hold" grpId="0" nodeType="clickEffect">
+                                  <p:stCondLst>
+                                    <p:cond delay="0"/>
+                                  </p:stCondLst>
+                                  <p:childTnLst>
+                                    <p:set>
+                                      <p:cBhvr>
+                                        <p:cTn id="16" dur="1" fill="hold">
+                                          <p:stCondLst>
+                                            <p:cond delay="0"/>
+                                          </p:stCondLst>
+                                        </p:cTn>
+                                        <p:tgtEl>
+                                          <p:spTgt spid="3">
+                                            <p:txEl>
+                                              <p:pRg st="2" end="2"/>
+                                            </p:txEl>
+                                          </p:spTgt>
+                                        </p:tgtEl>
+                                        <p:attrNameLst>
+                                          <p:attrName>style.visibility</p:attrName>
+                                        </p:attrNameLst>
+                                      </p:cBhvr>
+                                      <p:to>
+                                        <p:strVal val="visible"/>
+                                      </p:to>
+                                    </p:set>
+                                    <p:animEffect transition="in" filter="fade">
+                                      <p:cBhvr>
+                                        <p:cTn id="17" dur="500"/>
+                                        <p:tgtEl>
+                                          <p:spTgt spid="3">
+                                            <p:txEl>
+                                              <p:pRg st="2" end="2"/>
+                                            </p:txEl>
+                                          </p:spTgt>
+                                        </p:tgtEl>
+                                      </p:cBhvr>
+                                    </p:animEffect>
+                                  </p:childTnLst>
+                                </p:cTn>
+                              </p:par>
+                            </p:childTnLst>
+                          </p:cTn>
+                        </p:par>
+                      </p:childTnLst>
+                    </p:cTn>
+                  </p:par>
+                </p:childTnLst>
+              </p:cTn>
+              <p:prevCondLst>
+                <p:cond evt="onPrev" delay="0">
+                  <p:tgtEl>
+                    <p:sldTgt/>
+                  </p:tgtEl>
+                </p:cond>
+              </p:prevCondLst>
+              <p:nextCondLst>
+                <p:cond evt="onNext" delay="0">
+                  <p:tgtEl>
+                    <p:sldTgt/>
+                  </p:tgtEl>
+                </p:cond>
+              </p:nextCondLst>
+            </p:seq>
+          </p:childTnLst>
+        </p:cTn>
+      </p:par>
+    </p:tnLst>
+    <p:bldLst>
+      <p:bldP spid="3" grpId="0" build="p"/>
+    </p:bldLst>
+  </p:timing>
+</p:sld>
+</file>
+
+<file path=ppt/slides/slide5.xml><?xml version="1.0" encoding="utf-8"?>
+<p:sld xmlns:a="http://schemas.openxmlformats.org/drawingml/2006/main" xmlns:r="http://schemas.openxmlformats.org/officeDocument/2006/relationships" xmlns:p="http://schemas.openxmlformats.org/presentationml/2006/main">
+  <p:cSld>
+    <p:spTree>
+      <p:nvGrpSpPr>
+        <p:cNvPr id="1" name=""/>
+        <p:cNvGrpSpPr/>
+        <p:nvPr/>
+      </p:nvGrpSpPr>
+      <p:grpSpPr>
+        <a:xfrm>
+          <a:off x="0" y="0"/>
+          <a:ext cx="0" cy="0"/>
+          <a:chOff x="0" y="0"/>
+          <a:chExt cx="0" cy="0"/>
+        </a:xfrm>
+      </p:grpSpPr>
+      <p:sp>
+        <p:nvSpPr>
+          <p:cNvPr id="2" name="Title 1">
+            <a:extLst>
+              <a:ext uri="{FF2B5EF4-FFF2-40B4-BE49-F238E27FC236}">
+                <a16:creationId xmlns:a16="http://schemas.microsoft.com/office/drawing/2014/main" id="{7BF979D8-EEDD-4072-BE09-CFF62CBB0148}"/>
+              </a:ext>
+            </a:extLst>
+          </p:cNvPr>
+          <p:cNvSpPr>
+            <a:spLocks noGrp="1"/>
+          </p:cNvSpPr>
+          <p:nvPr>
+            <p:ph type="title"/>
+          </p:nvPr>
+        </p:nvSpPr>
+        <p:spPr/>
+        <p:txBody>
+          <a:bodyPr/>
+          <a:lstStyle/>
+          <a:p>
+            <a:r>
+              <a:rPr lang="en-US" dirty="0"/>
+              <a:t>The App</a:t>
+            </a:r>
+          </a:p>
+        </p:txBody>
+      </p:sp>
+      <p:sp>
+        <p:nvSpPr>
+          <p:cNvPr id="3" name="Content Placeholder 2">
+            <a:extLst>
+              <a:ext uri="{FF2B5EF4-FFF2-40B4-BE49-F238E27FC236}">
+                <a16:creationId xmlns:a16="http://schemas.microsoft.com/office/drawing/2014/main" id="{EAE6429B-452A-475C-8E49-539E452268F1}"/>
+              </a:ext>
+            </a:extLst>
+          </p:cNvPr>
+          <p:cNvSpPr>
+            <a:spLocks noGrp="1"/>
+          </p:cNvSpPr>
+          <p:nvPr>
+            <p:ph idx="1"/>
+          </p:nvPr>
+        </p:nvSpPr>
+        <p:spPr/>
+        <p:txBody>
+          <a:bodyPr/>
+          <a:lstStyle/>
+          <a:p>
+            <a:r>
+              <a:rPr lang="en-US" dirty="0"/>
+              <a:t>So for now, just create a new React </a:t>
+            </a:r>
+            <a:r>
+              <a:rPr lang="en-US"/>
+              <a:t>Native app and we’re ready to go</a:t>
+            </a:r>
+            <a:endParaRPr lang="en-US" dirty="0"/>
+          </a:p>
+        </p:txBody>
+      </p:sp>
+    </p:spTree>
+    <p:extLst>
+      <p:ext uri="{BB962C8B-B14F-4D97-AF65-F5344CB8AC3E}">
+        <p14:creationId xmlns:p14="http://schemas.microsoft.com/office/powerpoint/2010/main" val="3672829461"/>
       </p:ext>
     </p:extLst>
   </p:cSld>
